--- a/docs/pres/mySchedule.pptx
+++ b/docs/pres/mySchedule.pptx
@@ -121,11 +121,12 @@
       </a:defRPr>
     </a:lvl9pPr>
   </p:defaultTextStyle>
+  <p:extLst>
+    <p:ext uri="{EFAFB233-063F-42B5-8137-9DF3F51BA10A}">
+      <p15:sldGuideLst xmlns:p15="http://schemas.microsoft.com/office/powerpoint/2012/main"/>
+    </p:ext>
+  </p:extLst>
 </p:presentation>
-</file>
-
-<file path=ppt/revisionInfo.xml><?xml version="1.0" encoding="utf-8"?>
-<p1510:revInfo xmlns:a="http://schemas.openxmlformats.org/drawingml/2006/main" xmlns:r="http://schemas.openxmlformats.org/officeDocument/2006/relationships" xmlns:p1510="http://schemas.microsoft.com/office/powerpoint/2015/10/main"/>
 </file>
 
 <file path=ppt/diagrams/colors1.xml><?xml version="1.0" encoding="utf-8"?>
